--- a/figures/graph_pathmodel/Grafik_CySESH_Review.pptx
+++ b/figures/graph_pathmodel/Grafik_CySESH_Review.pptx
@@ -250,7 +250,7 @@
           <a:p>
             <a:fld id="{5485355A-BC22-4D7E-980C-A79ACDAA6AB2}" type="datetimeFigureOut">
               <a:rPr lang="de-DE" smtClean="0"/>
-              <a:t>03.11.2022</a:t>
+              <a:t>04.11.2022</a:t>
             </a:fld>
             <a:endParaRPr lang="de-DE"/>
           </a:p>
@@ -420,7 +420,7 @@
           <a:p>
             <a:fld id="{5485355A-BC22-4D7E-980C-A79ACDAA6AB2}" type="datetimeFigureOut">
               <a:rPr lang="de-DE" smtClean="0"/>
-              <a:t>03.11.2022</a:t>
+              <a:t>04.11.2022</a:t>
             </a:fld>
             <a:endParaRPr lang="de-DE"/>
           </a:p>
@@ -600,7 +600,7 @@
           <a:p>
             <a:fld id="{5485355A-BC22-4D7E-980C-A79ACDAA6AB2}" type="datetimeFigureOut">
               <a:rPr lang="de-DE" smtClean="0"/>
-              <a:t>03.11.2022</a:t>
+              <a:t>04.11.2022</a:t>
             </a:fld>
             <a:endParaRPr lang="de-DE"/>
           </a:p>
@@ -770,7 +770,7 @@
           <a:p>
             <a:fld id="{5485355A-BC22-4D7E-980C-A79ACDAA6AB2}" type="datetimeFigureOut">
               <a:rPr lang="de-DE" smtClean="0"/>
-              <a:t>03.11.2022</a:t>
+              <a:t>04.11.2022</a:t>
             </a:fld>
             <a:endParaRPr lang="de-DE"/>
           </a:p>
@@ -1014,7 +1014,7 @@
           <a:p>
             <a:fld id="{5485355A-BC22-4D7E-980C-A79ACDAA6AB2}" type="datetimeFigureOut">
               <a:rPr lang="de-DE" smtClean="0"/>
-              <a:t>03.11.2022</a:t>
+              <a:t>04.11.2022</a:t>
             </a:fld>
             <a:endParaRPr lang="de-DE"/>
           </a:p>
@@ -1246,7 +1246,7 @@
           <a:p>
             <a:fld id="{5485355A-BC22-4D7E-980C-A79ACDAA6AB2}" type="datetimeFigureOut">
               <a:rPr lang="de-DE" smtClean="0"/>
-              <a:t>03.11.2022</a:t>
+              <a:t>04.11.2022</a:t>
             </a:fld>
             <a:endParaRPr lang="de-DE"/>
           </a:p>
@@ -1613,7 +1613,7 @@
           <a:p>
             <a:fld id="{5485355A-BC22-4D7E-980C-A79ACDAA6AB2}" type="datetimeFigureOut">
               <a:rPr lang="de-DE" smtClean="0"/>
-              <a:t>03.11.2022</a:t>
+              <a:t>04.11.2022</a:t>
             </a:fld>
             <a:endParaRPr lang="de-DE"/>
           </a:p>
@@ -1731,7 +1731,7 @@
           <a:p>
             <a:fld id="{5485355A-BC22-4D7E-980C-A79ACDAA6AB2}" type="datetimeFigureOut">
               <a:rPr lang="de-DE" smtClean="0"/>
-              <a:t>03.11.2022</a:t>
+              <a:t>04.11.2022</a:t>
             </a:fld>
             <a:endParaRPr lang="de-DE"/>
           </a:p>
@@ -1826,7 +1826,7 @@
           <a:p>
             <a:fld id="{5485355A-BC22-4D7E-980C-A79ACDAA6AB2}" type="datetimeFigureOut">
               <a:rPr lang="de-DE" smtClean="0"/>
-              <a:t>03.11.2022</a:t>
+              <a:t>04.11.2022</a:t>
             </a:fld>
             <a:endParaRPr lang="de-DE"/>
           </a:p>
@@ -2103,7 +2103,7 @@
           <a:p>
             <a:fld id="{5485355A-BC22-4D7E-980C-A79ACDAA6AB2}" type="datetimeFigureOut">
               <a:rPr lang="de-DE" smtClean="0"/>
-              <a:t>03.11.2022</a:t>
+              <a:t>04.11.2022</a:t>
             </a:fld>
             <a:endParaRPr lang="de-DE"/>
           </a:p>
@@ -2360,7 +2360,7 @@
           <a:p>
             <a:fld id="{5485355A-BC22-4D7E-980C-A79ACDAA6AB2}" type="datetimeFigureOut">
               <a:rPr lang="de-DE" smtClean="0"/>
-              <a:t>03.11.2022</a:t>
+              <a:t>04.11.2022</a:t>
             </a:fld>
             <a:endParaRPr lang="de-DE"/>
           </a:p>
@@ -2573,7 +2573,7 @@
           <a:p>
             <a:fld id="{5485355A-BC22-4D7E-980C-A79ACDAA6AB2}" type="datetimeFigureOut">
               <a:rPr lang="de-DE" smtClean="0"/>
-              <a:t>03.11.2022</a:t>
+              <a:t>04.11.2022</a:t>
             </a:fld>
             <a:endParaRPr lang="de-DE"/>
           </a:p>
@@ -10092,7 +10092,7 @@
           <p:nvPr/>
         </p:nvCxnSpPr>
         <p:spPr>
-          <a:xfrm flipH="1" flipV="1">
+          <a:xfrm rot="10800000" flipH="1" flipV="1">
             <a:off x="9828284" y="3487726"/>
             <a:ext cx="1789243" cy="1549006"/>
           </a:xfrm>
